--- a/instructors/Wellcome_Episode.pptx
+++ b/instructors/Wellcome_Episode.pptx
@@ -109,6 +109,11 @@
       </a:defRPr>
     </a:lvl9pPr>
   </p:defaultTextStyle>
+  <p:extLst>
+    <p:ext uri="{EFAFB233-063F-42B5-8137-9DF3F51BA10A}">
+      <p15:sldGuideLst xmlns:p15="http://schemas.microsoft.com/office/powerpoint/2012/main"/>
+    </p:ext>
+  </p:extLst>
 </p:presentation>
 </file>
 
@@ -154,7 +159,7 @@
           </a:lstStyle>
           <a:p>
             <a:r>
-              <a:rPr lang="en-US" smtClean="0"/>
+              <a:rPr lang="en-US"/>
               <a:t>Click to edit Master title style</a:t>
             </a:r>
             <a:endParaRPr lang="en-GB"/>
@@ -219,7 +224,7 @@
           </a:lstStyle>
           <a:p>
             <a:r>
-              <a:rPr lang="en-US" smtClean="0"/>
+              <a:rPr lang="en-US"/>
               <a:t>Click to edit Master subtitle style</a:t>
             </a:r>
             <a:endParaRPr lang="en-GB"/>
@@ -243,7 +248,7 @@
           <a:p>
             <a:fld id="{CC29EC85-173F-467E-B364-65AD14726A23}" type="datetimeFigureOut">
               <a:rPr lang="en-GB" smtClean="0"/>
-              <a:t>26/05/2021</a:t>
+              <a:t>09/06/2021</a:t>
             </a:fld>
             <a:endParaRPr lang="en-GB"/>
           </a:p>
@@ -337,7 +342,7 @@
           <a:lstStyle/>
           <a:p>
             <a:r>
-              <a:rPr lang="en-US" smtClean="0"/>
+              <a:rPr lang="en-US"/>
               <a:t>Click to edit Master title style</a:t>
             </a:r>
             <a:endParaRPr lang="en-GB"/>
@@ -361,35 +366,35 @@
           <a:p>
             <a:pPr lvl="0"/>
             <a:r>
-              <a:rPr lang="en-US" smtClean="0"/>
+              <a:rPr lang="en-US"/>
               <a:t>Edit Master text styles</a:t>
             </a:r>
           </a:p>
           <a:p>
             <a:pPr lvl="1"/>
             <a:r>
-              <a:rPr lang="en-US" smtClean="0"/>
+              <a:rPr lang="en-US"/>
               <a:t>Second level</a:t>
             </a:r>
           </a:p>
           <a:p>
             <a:pPr lvl="2"/>
             <a:r>
-              <a:rPr lang="en-US" smtClean="0"/>
+              <a:rPr lang="en-US"/>
               <a:t>Third level</a:t>
             </a:r>
           </a:p>
           <a:p>
             <a:pPr lvl="3"/>
             <a:r>
-              <a:rPr lang="en-US" smtClean="0"/>
+              <a:rPr lang="en-US"/>
               <a:t>Fourth level</a:t>
             </a:r>
           </a:p>
           <a:p>
             <a:pPr lvl="4"/>
             <a:r>
-              <a:rPr lang="en-US" smtClean="0"/>
+              <a:rPr lang="en-US"/>
               <a:t>Fifth level</a:t>
             </a:r>
             <a:endParaRPr lang="en-GB"/>
@@ -413,7 +418,7 @@
           <a:p>
             <a:fld id="{CC29EC85-173F-467E-B364-65AD14726A23}" type="datetimeFigureOut">
               <a:rPr lang="en-GB" smtClean="0"/>
-              <a:t>26/05/2021</a:t>
+              <a:t>09/06/2021</a:t>
             </a:fld>
             <a:endParaRPr lang="en-GB"/>
           </a:p>
@@ -512,7 +517,7 @@
           <a:lstStyle/>
           <a:p>
             <a:r>
-              <a:rPr lang="en-US" smtClean="0"/>
+              <a:rPr lang="en-US"/>
               <a:t>Click to edit Master title style</a:t>
             </a:r>
             <a:endParaRPr lang="en-GB"/>
@@ -541,35 +546,35 @@
           <a:p>
             <a:pPr lvl="0"/>
             <a:r>
-              <a:rPr lang="en-US" smtClean="0"/>
+              <a:rPr lang="en-US"/>
               <a:t>Edit Master text styles</a:t>
             </a:r>
           </a:p>
           <a:p>
             <a:pPr lvl="1"/>
             <a:r>
-              <a:rPr lang="en-US" smtClean="0"/>
+              <a:rPr lang="en-US"/>
               <a:t>Second level</a:t>
             </a:r>
           </a:p>
           <a:p>
             <a:pPr lvl="2"/>
             <a:r>
-              <a:rPr lang="en-US" smtClean="0"/>
+              <a:rPr lang="en-US"/>
               <a:t>Third level</a:t>
             </a:r>
           </a:p>
           <a:p>
             <a:pPr lvl="3"/>
             <a:r>
-              <a:rPr lang="en-US" smtClean="0"/>
+              <a:rPr lang="en-US"/>
               <a:t>Fourth level</a:t>
             </a:r>
           </a:p>
           <a:p>
             <a:pPr lvl="4"/>
             <a:r>
-              <a:rPr lang="en-US" smtClean="0"/>
+              <a:rPr lang="en-US"/>
               <a:t>Fifth level</a:t>
             </a:r>
             <a:endParaRPr lang="en-GB"/>
@@ -593,7 +598,7 @@
           <a:p>
             <a:fld id="{CC29EC85-173F-467E-B364-65AD14726A23}" type="datetimeFigureOut">
               <a:rPr lang="en-GB" smtClean="0"/>
-              <a:t>26/05/2021</a:t>
+              <a:t>09/06/2021</a:t>
             </a:fld>
             <a:endParaRPr lang="en-GB"/>
           </a:p>
@@ -687,7 +692,7 @@
           <a:lstStyle/>
           <a:p>
             <a:r>
-              <a:rPr lang="en-US" smtClean="0"/>
+              <a:rPr lang="en-US"/>
               <a:t>Click to edit Master title style</a:t>
             </a:r>
             <a:endParaRPr lang="en-GB"/>
@@ -711,35 +716,35 @@
           <a:p>
             <a:pPr lvl="0"/>
             <a:r>
-              <a:rPr lang="en-US" smtClean="0"/>
+              <a:rPr lang="en-US"/>
               <a:t>Edit Master text styles</a:t>
             </a:r>
           </a:p>
           <a:p>
             <a:pPr lvl="1"/>
             <a:r>
-              <a:rPr lang="en-US" smtClean="0"/>
+              <a:rPr lang="en-US"/>
               <a:t>Second level</a:t>
             </a:r>
           </a:p>
           <a:p>
             <a:pPr lvl="2"/>
             <a:r>
-              <a:rPr lang="en-US" smtClean="0"/>
+              <a:rPr lang="en-US"/>
               <a:t>Third level</a:t>
             </a:r>
           </a:p>
           <a:p>
             <a:pPr lvl="3"/>
             <a:r>
-              <a:rPr lang="en-US" smtClean="0"/>
+              <a:rPr lang="en-US"/>
               <a:t>Fourth level</a:t>
             </a:r>
           </a:p>
           <a:p>
             <a:pPr lvl="4"/>
             <a:r>
-              <a:rPr lang="en-US" smtClean="0"/>
+              <a:rPr lang="en-US"/>
               <a:t>Fifth level</a:t>
             </a:r>
             <a:endParaRPr lang="en-GB"/>
@@ -763,7 +768,7 @@
           <a:p>
             <a:fld id="{CC29EC85-173F-467E-B364-65AD14726A23}" type="datetimeFigureOut">
               <a:rPr lang="en-GB" smtClean="0"/>
-              <a:t>26/05/2021</a:t>
+              <a:t>09/06/2021</a:t>
             </a:fld>
             <a:endParaRPr lang="en-GB"/>
           </a:p>
@@ -866,7 +871,7 @@
           </a:lstStyle>
           <a:p>
             <a:r>
-              <a:rPr lang="en-US" smtClean="0"/>
+              <a:rPr lang="en-US"/>
               <a:t>Click to edit Master title style</a:t>
             </a:r>
             <a:endParaRPr lang="en-GB"/>
@@ -986,7 +991,7 @@
           <a:p>
             <a:pPr lvl="0"/>
             <a:r>
-              <a:rPr lang="en-US" smtClean="0"/>
+              <a:rPr lang="en-US"/>
               <a:t>Edit Master text styles</a:t>
             </a:r>
           </a:p>
@@ -1009,7 +1014,7 @@
           <a:p>
             <a:fld id="{CC29EC85-173F-467E-B364-65AD14726A23}" type="datetimeFigureOut">
               <a:rPr lang="en-GB" smtClean="0"/>
-              <a:t>26/05/2021</a:t>
+              <a:t>09/06/2021</a:t>
             </a:fld>
             <a:endParaRPr lang="en-GB"/>
           </a:p>
@@ -1103,7 +1108,7 @@
           <a:lstStyle/>
           <a:p>
             <a:r>
-              <a:rPr lang="en-US" smtClean="0"/>
+              <a:rPr lang="en-US"/>
               <a:t>Click to edit Master title style</a:t>
             </a:r>
             <a:endParaRPr lang="en-GB"/>
@@ -1132,35 +1137,35 @@
           <a:p>
             <a:pPr lvl="0"/>
             <a:r>
-              <a:rPr lang="en-US" smtClean="0"/>
+              <a:rPr lang="en-US"/>
               <a:t>Edit Master text styles</a:t>
             </a:r>
           </a:p>
           <a:p>
             <a:pPr lvl="1"/>
             <a:r>
-              <a:rPr lang="en-US" smtClean="0"/>
+              <a:rPr lang="en-US"/>
               <a:t>Second level</a:t>
             </a:r>
           </a:p>
           <a:p>
             <a:pPr lvl="2"/>
             <a:r>
-              <a:rPr lang="en-US" smtClean="0"/>
+              <a:rPr lang="en-US"/>
               <a:t>Third level</a:t>
             </a:r>
           </a:p>
           <a:p>
             <a:pPr lvl="3"/>
             <a:r>
-              <a:rPr lang="en-US" smtClean="0"/>
+              <a:rPr lang="en-US"/>
               <a:t>Fourth level</a:t>
             </a:r>
           </a:p>
           <a:p>
             <a:pPr lvl="4"/>
             <a:r>
-              <a:rPr lang="en-US" smtClean="0"/>
+              <a:rPr lang="en-US"/>
               <a:t>Fifth level</a:t>
             </a:r>
             <a:endParaRPr lang="en-GB"/>
@@ -1189,35 +1194,35 @@
           <a:p>
             <a:pPr lvl="0"/>
             <a:r>
-              <a:rPr lang="en-US" smtClean="0"/>
+              <a:rPr lang="en-US"/>
               <a:t>Edit Master text styles</a:t>
             </a:r>
           </a:p>
           <a:p>
             <a:pPr lvl="1"/>
             <a:r>
-              <a:rPr lang="en-US" smtClean="0"/>
+              <a:rPr lang="en-US"/>
               <a:t>Second level</a:t>
             </a:r>
           </a:p>
           <a:p>
             <a:pPr lvl="2"/>
             <a:r>
-              <a:rPr lang="en-US" smtClean="0"/>
+              <a:rPr lang="en-US"/>
               <a:t>Third level</a:t>
             </a:r>
           </a:p>
           <a:p>
             <a:pPr lvl="3"/>
             <a:r>
-              <a:rPr lang="en-US" smtClean="0"/>
+              <a:rPr lang="en-US"/>
               <a:t>Fourth level</a:t>
             </a:r>
           </a:p>
           <a:p>
             <a:pPr lvl="4"/>
             <a:r>
-              <a:rPr lang="en-US" smtClean="0"/>
+              <a:rPr lang="en-US"/>
               <a:t>Fifth level</a:t>
             </a:r>
             <a:endParaRPr lang="en-GB"/>
@@ -1241,7 +1246,7 @@
           <a:p>
             <a:fld id="{CC29EC85-173F-467E-B364-65AD14726A23}" type="datetimeFigureOut">
               <a:rPr lang="en-GB" smtClean="0"/>
-              <a:t>26/05/2021</a:t>
+              <a:t>09/06/2021</a:t>
             </a:fld>
             <a:endParaRPr lang="en-GB"/>
           </a:p>
@@ -1340,7 +1345,7 @@
           <a:lstStyle/>
           <a:p>
             <a:r>
-              <a:rPr lang="en-US" smtClean="0"/>
+              <a:rPr lang="en-US"/>
               <a:t>Click to edit Master title style</a:t>
             </a:r>
             <a:endParaRPr lang="en-GB"/>
@@ -1406,7 +1411,7 @@
           <a:p>
             <a:pPr lvl="0"/>
             <a:r>
-              <a:rPr lang="en-US" smtClean="0"/>
+              <a:rPr lang="en-US"/>
               <a:t>Edit Master text styles</a:t>
             </a:r>
           </a:p>
@@ -1434,35 +1439,35 @@
           <a:p>
             <a:pPr lvl="0"/>
             <a:r>
-              <a:rPr lang="en-US" smtClean="0"/>
+              <a:rPr lang="en-US"/>
               <a:t>Edit Master text styles</a:t>
             </a:r>
           </a:p>
           <a:p>
             <a:pPr lvl="1"/>
             <a:r>
-              <a:rPr lang="en-US" smtClean="0"/>
+              <a:rPr lang="en-US"/>
               <a:t>Second level</a:t>
             </a:r>
           </a:p>
           <a:p>
             <a:pPr lvl="2"/>
             <a:r>
-              <a:rPr lang="en-US" smtClean="0"/>
+              <a:rPr lang="en-US"/>
               <a:t>Third level</a:t>
             </a:r>
           </a:p>
           <a:p>
             <a:pPr lvl="3"/>
             <a:r>
-              <a:rPr lang="en-US" smtClean="0"/>
+              <a:rPr lang="en-US"/>
               <a:t>Fourth level</a:t>
             </a:r>
           </a:p>
           <a:p>
             <a:pPr lvl="4"/>
             <a:r>
-              <a:rPr lang="en-US" smtClean="0"/>
+              <a:rPr lang="en-US"/>
               <a:t>Fifth level</a:t>
             </a:r>
             <a:endParaRPr lang="en-GB"/>
@@ -1528,7 +1533,7 @@
           <a:p>
             <a:pPr lvl="0"/>
             <a:r>
-              <a:rPr lang="en-US" smtClean="0"/>
+              <a:rPr lang="en-US"/>
               <a:t>Edit Master text styles</a:t>
             </a:r>
           </a:p>
@@ -1556,35 +1561,35 @@
           <a:p>
             <a:pPr lvl="0"/>
             <a:r>
-              <a:rPr lang="en-US" smtClean="0"/>
+              <a:rPr lang="en-US"/>
               <a:t>Edit Master text styles</a:t>
             </a:r>
           </a:p>
           <a:p>
             <a:pPr lvl="1"/>
             <a:r>
-              <a:rPr lang="en-US" smtClean="0"/>
+              <a:rPr lang="en-US"/>
               <a:t>Second level</a:t>
             </a:r>
           </a:p>
           <a:p>
             <a:pPr lvl="2"/>
             <a:r>
-              <a:rPr lang="en-US" smtClean="0"/>
+              <a:rPr lang="en-US"/>
               <a:t>Third level</a:t>
             </a:r>
           </a:p>
           <a:p>
             <a:pPr lvl="3"/>
             <a:r>
-              <a:rPr lang="en-US" smtClean="0"/>
+              <a:rPr lang="en-US"/>
               <a:t>Fourth level</a:t>
             </a:r>
           </a:p>
           <a:p>
             <a:pPr lvl="4"/>
             <a:r>
-              <a:rPr lang="en-US" smtClean="0"/>
+              <a:rPr lang="en-US"/>
               <a:t>Fifth level</a:t>
             </a:r>
             <a:endParaRPr lang="en-GB"/>
@@ -1608,7 +1613,7 @@
           <a:p>
             <a:fld id="{CC29EC85-173F-467E-B364-65AD14726A23}" type="datetimeFigureOut">
               <a:rPr lang="en-GB" smtClean="0"/>
-              <a:t>26/05/2021</a:t>
+              <a:t>09/06/2021</a:t>
             </a:fld>
             <a:endParaRPr lang="en-GB"/>
           </a:p>
@@ -1702,7 +1707,7 @@
           <a:lstStyle/>
           <a:p>
             <a:r>
-              <a:rPr lang="en-US" smtClean="0"/>
+              <a:rPr lang="en-US"/>
               <a:t>Click to edit Master title style</a:t>
             </a:r>
             <a:endParaRPr lang="en-GB"/>
@@ -1726,7 +1731,7 @@
           <a:p>
             <a:fld id="{CC29EC85-173F-467E-B364-65AD14726A23}" type="datetimeFigureOut">
               <a:rPr lang="en-GB" smtClean="0"/>
-              <a:t>26/05/2021</a:t>
+              <a:t>09/06/2021</a:t>
             </a:fld>
             <a:endParaRPr lang="en-GB"/>
           </a:p>
@@ -1821,7 +1826,7 @@
           <a:p>
             <a:fld id="{CC29EC85-173F-467E-B364-65AD14726A23}" type="datetimeFigureOut">
               <a:rPr lang="en-GB" smtClean="0"/>
-              <a:t>26/05/2021</a:t>
+              <a:t>09/06/2021</a:t>
             </a:fld>
             <a:endParaRPr lang="en-GB"/>
           </a:p>
@@ -1924,7 +1929,7 @@
           </a:lstStyle>
           <a:p>
             <a:r>
-              <a:rPr lang="en-US" smtClean="0"/>
+              <a:rPr lang="en-US"/>
               <a:t>Click to edit Master title style</a:t>
             </a:r>
             <a:endParaRPr lang="en-GB"/>
@@ -1981,35 +1986,35 @@
           <a:p>
             <a:pPr lvl="0"/>
             <a:r>
-              <a:rPr lang="en-US" smtClean="0"/>
+              <a:rPr lang="en-US"/>
               <a:t>Edit Master text styles</a:t>
             </a:r>
           </a:p>
           <a:p>
             <a:pPr lvl="1"/>
             <a:r>
-              <a:rPr lang="en-US" smtClean="0"/>
+              <a:rPr lang="en-US"/>
               <a:t>Second level</a:t>
             </a:r>
           </a:p>
           <a:p>
             <a:pPr lvl="2"/>
             <a:r>
-              <a:rPr lang="en-US" smtClean="0"/>
+              <a:rPr lang="en-US"/>
               <a:t>Third level</a:t>
             </a:r>
           </a:p>
           <a:p>
             <a:pPr lvl="3"/>
             <a:r>
-              <a:rPr lang="en-US" smtClean="0"/>
+              <a:rPr lang="en-US"/>
               <a:t>Fourth level</a:t>
             </a:r>
           </a:p>
           <a:p>
             <a:pPr lvl="4"/>
             <a:r>
-              <a:rPr lang="en-US" smtClean="0"/>
+              <a:rPr lang="en-US"/>
               <a:t>Fifth level</a:t>
             </a:r>
             <a:endParaRPr lang="en-GB"/>
@@ -2075,7 +2080,7 @@
           <a:p>
             <a:pPr lvl="0"/>
             <a:r>
-              <a:rPr lang="en-US" smtClean="0"/>
+              <a:rPr lang="en-US"/>
               <a:t>Edit Master text styles</a:t>
             </a:r>
           </a:p>
@@ -2098,7 +2103,7 @@
           <a:p>
             <a:fld id="{CC29EC85-173F-467E-B364-65AD14726A23}" type="datetimeFigureOut">
               <a:rPr lang="en-GB" smtClean="0"/>
-              <a:t>26/05/2021</a:t>
+              <a:t>09/06/2021</a:t>
             </a:fld>
             <a:endParaRPr lang="en-GB"/>
           </a:p>
@@ -2201,7 +2206,7 @@
           </a:lstStyle>
           <a:p>
             <a:r>
-              <a:rPr lang="en-US" smtClean="0"/>
+              <a:rPr lang="en-US"/>
               <a:t>Click to edit Master title style</a:t>
             </a:r>
             <a:endParaRPr lang="en-GB"/>
@@ -2328,7 +2333,7 @@
           <a:p>
             <a:pPr lvl="0"/>
             <a:r>
-              <a:rPr lang="en-US" smtClean="0"/>
+              <a:rPr lang="en-US"/>
               <a:t>Edit Master text styles</a:t>
             </a:r>
           </a:p>
@@ -2351,7 +2356,7 @@
           <a:p>
             <a:fld id="{CC29EC85-173F-467E-B364-65AD14726A23}" type="datetimeFigureOut">
               <a:rPr lang="en-GB" smtClean="0"/>
-              <a:t>26/05/2021</a:t>
+              <a:t>09/06/2021</a:t>
             </a:fld>
             <a:endParaRPr lang="en-GB"/>
           </a:p>
@@ -2460,7 +2465,7 @@
           <a:lstStyle/>
           <a:p>
             <a:r>
-              <a:rPr lang="en-US" smtClean="0"/>
+              <a:rPr lang="en-US"/>
               <a:t>Click to edit Master title style</a:t>
             </a:r>
             <a:endParaRPr lang="en-GB"/>
@@ -2494,35 +2499,35 @@
           <a:p>
             <a:pPr lvl="0"/>
             <a:r>
-              <a:rPr lang="en-US" smtClean="0"/>
+              <a:rPr lang="en-US"/>
               <a:t>Edit Master text styles</a:t>
             </a:r>
           </a:p>
           <a:p>
             <a:pPr lvl="1"/>
             <a:r>
-              <a:rPr lang="en-US" smtClean="0"/>
+              <a:rPr lang="en-US"/>
               <a:t>Second level</a:t>
             </a:r>
           </a:p>
           <a:p>
             <a:pPr lvl="2"/>
             <a:r>
-              <a:rPr lang="en-US" smtClean="0"/>
+              <a:rPr lang="en-US"/>
               <a:t>Third level</a:t>
             </a:r>
           </a:p>
           <a:p>
             <a:pPr lvl="3"/>
             <a:r>
-              <a:rPr lang="en-US" smtClean="0"/>
+              <a:rPr lang="en-US"/>
               <a:t>Fourth level</a:t>
             </a:r>
           </a:p>
           <a:p>
             <a:pPr lvl="4"/>
             <a:r>
-              <a:rPr lang="en-US" smtClean="0"/>
+              <a:rPr lang="en-US"/>
               <a:t>Fifth level</a:t>
             </a:r>
             <a:endParaRPr lang="en-GB"/>
@@ -2564,7 +2569,7 @@
           <a:p>
             <a:fld id="{CC29EC85-173F-467E-B364-65AD14726A23}" type="datetimeFigureOut">
               <a:rPr lang="en-GB" smtClean="0"/>
-              <a:t>26/05/2021</a:t>
+              <a:t>09/06/2021</a:t>
             </a:fld>
             <a:endParaRPr lang="en-GB"/>
           </a:p>
@@ -2985,7 +2990,7 @@
           <a:lstStyle/>
           <a:p>
             <a:r>
-              <a:rPr lang="pl-PL" dirty="0" smtClean="0"/>
+              <a:rPr lang="pl-PL" dirty="0"/>
               <a:t>FAIR in (bio) practice</a:t>
             </a:r>
             <a:endParaRPr lang="en-GB" dirty="0"/>
@@ -3078,7 +3083,7 @@
             <a:pPr marL="0" indent="0">
               <a:buNone/>
             </a:pPr>
-            <a:endParaRPr lang="pl-PL" dirty="0" smtClean="0"/>
+            <a:endParaRPr lang="pl-PL" dirty="0"/>
           </a:p>
           <a:p>
             <a:pPr marL="0" indent="0">
@@ -3091,7 +3096,7 @@
               <a:buNone/>
             </a:pPr>
             <a:r>
-              <a:rPr lang="pl-PL" sz="4000" dirty="0" smtClean="0"/>
+              <a:rPr lang="pl-PL" sz="4000" dirty="0"/>
               <a:t>Better research by better sharing</a:t>
             </a:r>
             <a:endParaRPr lang="en-GB" sz="4000" dirty="0"/>
@@ -3149,7 +3154,7 @@
           <a:lstStyle/>
           <a:p>
             <a:r>
-              <a:rPr lang="pl-PL" dirty="0" smtClean="0"/>
+              <a:rPr lang="pl-PL" dirty="0"/>
               <a:t>Sharing as part of the workflow</a:t>
             </a:r>
             <a:endParaRPr lang="en-GB" dirty="0"/>
@@ -3770,7 +3775,7 @@
                 <a:p>
                   <a:pPr algn="ctr"/>
                   <a:r>
-                    <a:rPr lang="pl-PL" sz="1200" dirty="0" smtClean="0">
+                    <a:rPr lang="pl-PL" sz="1200" dirty="0">
                       <a:solidFill>
                         <a:schemeClr val="bg1"/>
                       </a:solidFill>
@@ -3779,18 +3784,11 @@
                     </a:rPr>
                     <a:t>SHARING</a:t>
                   </a:r>
-                  <a:endParaRPr lang="pl-PL" sz="1200" dirty="0">
-                    <a:solidFill>
-                      <a:schemeClr val="bg1"/>
-                    </a:solidFill>
-                    <a:latin typeface="Arial" panose="020B0604020202020204" pitchFamily="34" charset="0"/>
-                    <a:cs typeface="Arial" panose="020B0604020202020204" pitchFamily="34" charset="0"/>
-                  </a:endParaRPr>
                 </a:p>
                 <a:p>
                   <a:pPr algn="ctr"/>
                   <a:r>
-                    <a:rPr lang="pl-PL" sz="1200" dirty="0" smtClean="0">
+                    <a:rPr lang="pl-PL" sz="1200" dirty="0">
                       <a:solidFill>
                         <a:schemeClr val="bg1"/>
                       </a:solidFill>
@@ -4278,7 +4276,7 @@
           <a:lstStyle/>
           <a:p>
             <a:r>
-              <a:rPr lang="pl-PL" sz="1600" dirty="0" smtClean="0"/>
+              <a:rPr lang="pl-PL" sz="1600" dirty="0"/>
               <a:t>Time and effort</a:t>
             </a:r>
             <a:endParaRPr lang="en-GB" sz="1600" dirty="0"/>
@@ -4391,7 +4389,7 @@
             <a:effectLst/>
             <a:extLst>
               <a:ext uri="{AF507438-7753-43e0-B8FC-AC1667EBCBE1}">
-                <a14:hiddenEffects xmlns:a14="http://schemas.microsoft.com/office/drawing/2010/main" xmlns="">
+                <a14:hiddenEffects xmlns="" xmlns:a14="http://schemas.microsoft.com/office/drawing/2010/main">
                   <a:effectLst>
                     <a:outerShdw dist="35921" dir="2700000" algn="ctr" rotWithShape="0">
                       <a:schemeClr val="bg2"/>
@@ -4453,7 +4451,7 @@
             <a:effectLst/>
             <a:extLst>
               <a:ext uri="{AF507438-7753-43e0-B8FC-AC1667EBCBE1}">
-                <a14:hiddenEffects xmlns:a14="http://schemas.microsoft.com/office/drawing/2010/main" xmlns="">
+                <a14:hiddenEffects xmlns="" xmlns:a14="http://schemas.microsoft.com/office/drawing/2010/main">
                   <a:effectLst>
                     <a:outerShdw dist="35921" dir="2700000" algn="ctr" rotWithShape="0">
                       <a:schemeClr val="bg2"/>
@@ -4515,7 +4513,7 @@
             <a:effectLst/>
             <a:extLst>
               <a:ext uri="{AF507438-7753-43e0-B8FC-AC1667EBCBE1}">
-                <a14:hiddenEffects xmlns:a14="http://schemas.microsoft.com/office/drawing/2010/main" xmlns="">
+                <a14:hiddenEffects xmlns="" xmlns:a14="http://schemas.microsoft.com/office/drawing/2010/main">
                   <a:effectLst>
                     <a:outerShdw dist="35921" dir="2700000" algn="ctr" rotWithShape="0">
                       <a:schemeClr val="bg2"/>
@@ -4605,16 +4603,8 @@
           <a:lstStyle/>
           <a:p>
             <a:r>
-              <a:rPr lang="pl-PL" sz="1200" dirty="0" smtClean="0"/>
-              <a:t>work </a:t>
-            </a:r>
-            <a:r>
-              <a:rPr lang="pl-PL" sz="1200" dirty="0" smtClean="0"/>
-              <a:t>necessary to </a:t>
-            </a:r>
-            <a:r>
-              <a:rPr lang="pl-PL" sz="1200" dirty="0" smtClean="0"/>
-              <a:t>make outputs suitable for sharing</a:t>
+              <a:rPr lang="pl-PL" sz="1200" dirty="0"/>
+              <a:t>work necessary to make outputs suitable for sharing</a:t>
             </a:r>
             <a:endParaRPr lang="en-GB" sz="1200" dirty="0"/>
           </a:p>
@@ -4671,7 +4661,7 @@
           <a:lstStyle/>
           <a:p>
             <a:r>
-              <a:rPr lang="pl-PL" dirty="0" smtClean="0"/>
+              <a:rPr lang="pl-PL" dirty="0"/>
               <a:t>Sharing as part of the workflow</a:t>
             </a:r>
             <a:endParaRPr lang="en-GB" dirty="0"/>
@@ -4722,7 +4712,7 @@
           <a:effectLst/>
           <a:extLst>
             <a:ext uri="{AF507438-7753-43e0-B8FC-AC1667EBCBE1}">
-              <a14:hiddenEffects xmlns:a14="http://schemas.microsoft.com/office/drawing/2010/main" xmlns="">
+              <a14:hiddenEffects xmlns="" xmlns:a14="http://schemas.microsoft.com/office/drawing/2010/main">
                 <a:effectLst>
                   <a:outerShdw dist="35921" dir="2700000" algn="ctr" rotWithShape="0">
                     <a:schemeClr val="bg2"/>
@@ -5053,7 +5043,7 @@
             <a:effectLst/>
             <a:extLst>
               <a:ext uri="{AF507438-7753-43e0-B8FC-AC1667EBCBE1}">
-                <a14:hiddenEffects xmlns:a14="http://schemas.microsoft.com/office/drawing/2010/main" xmlns="">
+                <a14:hiddenEffects xmlns="" xmlns:a14="http://schemas.microsoft.com/office/drawing/2010/main">
                   <a:effectLst>
                     <a:outerShdw dist="35921" dir="2700000" algn="ctr" rotWithShape="0">
                       <a:schemeClr val="bg2"/>
@@ -5115,7 +5105,7 @@
             <a:effectLst/>
             <a:extLst>
               <a:ext uri="{AF507438-7753-43e0-B8FC-AC1667EBCBE1}">
-                <a14:hiddenEffects xmlns:a14="http://schemas.microsoft.com/office/drawing/2010/main" xmlns="">
+                <a14:hiddenEffects xmlns="" xmlns:a14="http://schemas.microsoft.com/office/drawing/2010/main">
                   <a:effectLst>
                     <a:outerShdw dist="35921" dir="2700000" algn="ctr" rotWithShape="0">
                       <a:schemeClr val="bg2"/>
@@ -5192,7 +5182,7 @@
             <a:effectLst/>
             <a:extLst>
               <a:ext uri="{AF507438-7753-43e0-B8FC-AC1667EBCBE1}">
-                <a14:hiddenEffects xmlns:a14="http://schemas.microsoft.com/office/drawing/2010/main" xmlns="">
+                <a14:hiddenEffects xmlns="" xmlns:a14="http://schemas.microsoft.com/office/drawing/2010/main">
                   <a:effectLst>
                     <a:outerShdw dist="35921" dir="2700000" algn="ctr" rotWithShape="0">
                       <a:schemeClr val="bg2"/>
@@ -5254,7 +5244,7 @@
             <a:effectLst/>
             <a:extLst>
               <a:ext uri="{AF507438-7753-43e0-B8FC-AC1667EBCBE1}">
-                <a14:hiddenEffects xmlns:a14="http://schemas.microsoft.com/office/drawing/2010/main" xmlns="">
+                <a14:hiddenEffects xmlns="" xmlns:a14="http://schemas.microsoft.com/office/drawing/2010/main">
                   <a:effectLst>
                     <a:outerShdw dist="35921" dir="2700000" algn="ctr" rotWithShape="0">
                       <a:schemeClr val="bg2"/>
@@ -6001,7 +5991,7 @@
                 <a:p>
                   <a:pPr algn="ctr"/>
                   <a:r>
-                    <a:rPr lang="pl-PL" sz="1200" dirty="0" smtClean="0">
+                    <a:rPr lang="pl-PL" sz="1200" dirty="0">
                       <a:solidFill>
                         <a:schemeClr val="bg1"/>
                       </a:solidFill>
@@ -6010,18 +6000,11 @@
                     </a:rPr>
                     <a:t>SHARING</a:t>
                   </a:r>
-                  <a:endParaRPr lang="pl-PL" sz="1200" dirty="0">
-                    <a:solidFill>
-                      <a:schemeClr val="bg1"/>
-                    </a:solidFill>
-                    <a:latin typeface="Arial" panose="020B0604020202020204" pitchFamily="34" charset="0"/>
-                    <a:cs typeface="Arial" panose="020B0604020202020204" pitchFamily="34" charset="0"/>
-                  </a:endParaRPr>
                 </a:p>
                 <a:p>
                   <a:pPr algn="ctr"/>
                   <a:r>
-                    <a:rPr lang="pl-PL" sz="1200" dirty="0" smtClean="0">
+                    <a:rPr lang="pl-PL" sz="1200" dirty="0">
                       <a:solidFill>
                         <a:schemeClr val="bg1"/>
                       </a:solidFill>
@@ -6494,7 +6477,7 @@
           <a:effectLst/>
           <a:extLst>
             <a:ext uri="{AF507438-7753-43e0-B8FC-AC1667EBCBE1}">
-              <a14:hiddenEffects xmlns:a14="http://schemas.microsoft.com/office/drawing/2010/main" xmlns="">
+              <a14:hiddenEffects xmlns="" xmlns:a14="http://schemas.microsoft.com/office/drawing/2010/main">
                 <a:effectLst>
                   <a:outerShdw dist="35921" dir="2700000" algn="ctr" rotWithShape="0">
                     <a:schemeClr val="bg2"/>
@@ -6571,7 +6554,7 @@
           <a:lstStyle/>
           <a:p>
             <a:r>
-              <a:rPr lang="pl-PL" sz="1600" dirty="0" smtClean="0"/>
+              <a:rPr lang="pl-PL" sz="1600" dirty="0"/>
               <a:t>Time and effort</a:t>
             </a:r>
             <a:endParaRPr lang="en-GB" sz="1600" dirty="0"/>
@@ -6650,15 +6633,7 @@
           <a:p>
             <a:r>
               <a:rPr lang="pl-PL" sz="1200" dirty="0"/>
-              <a:t>w</a:t>
-            </a:r>
-            <a:r>
-              <a:rPr lang="pl-PL" sz="1200" dirty="0" smtClean="0"/>
-              <a:t>ork necessary </a:t>
-            </a:r>
-            <a:r>
-              <a:rPr lang="pl-PL" sz="1200" dirty="0" smtClean="0"/>
-              <a:t>to make outputs suitable for sharing</a:t>
+              <a:t>work necessary to make outputs suitable for sharing</a:t>
             </a:r>
             <a:endParaRPr lang="en-GB" sz="1200" dirty="0"/>
           </a:p>
@@ -6735,16 +6710,8 @@
           <a:lstStyle/>
           <a:p>
             <a:r>
-              <a:rPr lang="pl-PL" sz="1200" dirty="0" smtClean="0"/>
-              <a:t>standard </a:t>
-            </a:r>
-            <a:r>
-              <a:rPr lang="pl-PL" sz="1200" dirty="0" smtClean="0"/>
-              <a:t>research </a:t>
-            </a:r>
-            <a:r>
-              <a:rPr lang="pl-PL" sz="1200" dirty="0" smtClean="0"/>
-              <a:t>operations</a:t>
+              <a:rPr lang="pl-PL" sz="1200" dirty="0"/>
+              <a:t>standard research operations</a:t>
             </a:r>
             <a:endParaRPr lang="en-GB" sz="1200" dirty="0"/>
           </a:p>
@@ -6801,7 +6768,7 @@
           <a:lstStyle/>
           <a:p>
             <a:r>
-              <a:rPr lang="pl-PL" dirty="0" smtClean="0"/>
+              <a:rPr lang="pl-PL" dirty="0"/>
               <a:t>Agenda</a:t>
             </a:r>
             <a:endParaRPr lang="en-GB" dirty="0"/>
@@ -6831,7 +6798,7 @@
             <a:pPr marL="0" indent="0">
               <a:buNone/>
             </a:pPr>
-            <a:endParaRPr lang="pl-PL" dirty="0" smtClean="0"/>
+            <a:endParaRPr lang="pl-PL" dirty="0"/>
           </a:p>
           <a:p>
             <a:pPr marL="0" indent="0">
@@ -6841,25 +6808,25 @@
           </a:p>
           <a:p>
             <a:r>
-              <a:rPr lang="pl-PL" sz="4000" dirty="0" smtClean="0"/>
+              <a:rPr lang="pl-PL" sz="4000" dirty="0"/>
               <a:t>Day 1 : Open Science, FAIR, DMP</a:t>
             </a:r>
           </a:p>
           <a:p>
             <a:r>
-              <a:rPr lang="pl-PL" sz="4000" dirty="0" smtClean="0"/>
+              <a:rPr lang="pl-PL" sz="4000" dirty="0"/>
               <a:t>Day 2: ELN, files and (meta)data in Excel</a:t>
             </a:r>
           </a:p>
           <a:p>
             <a:r>
-              <a:rPr lang="pl-PL" sz="4000" dirty="0" smtClean="0"/>
+              <a:rPr lang="pl-PL" sz="4000" dirty="0"/>
               <a:t>Day 3: Describing projct, Version Control</a:t>
             </a:r>
           </a:p>
           <a:p>
             <a:r>
-              <a:rPr lang="pl-PL" sz="4000" dirty="0" smtClean="0"/>
+              <a:rPr lang="pl-PL" sz="4000" dirty="0"/>
               <a:t>Day 4: Public repositories, Putting it all toghether</a:t>
             </a:r>
             <a:endParaRPr lang="en-GB" sz="4000" dirty="0"/>
@@ -6917,8 +6884,20 @@
           <a:lstStyle/>
           <a:p>
             <a:r>
-              <a:rPr lang="pl-PL" dirty="0" smtClean="0"/>
-              <a:t>The ways of working</a:t>
+              <a:rPr lang="pl-PL" dirty="0"/>
+              <a:t>Logistics of </a:t>
+            </a:r>
+            <a:r>
+              <a:rPr lang="pl-PL" dirty="0" err="1"/>
+              <a:t>this</a:t>
+            </a:r>
+            <a:r>
+              <a:rPr lang="pl-PL" dirty="0"/>
+              <a:t> </a:t>
+            </a:r>
+            <a:r>
+              <a:rPr lang="pl-PL"/>
+              <a:t>course</a:t>
             </a:r>
             <a:endParaRPr lang="en-GB" dirty="0"/>
           </a:p>
@@ -6953,65 +6932,52 @@
           </a:p>
           <a:p>
             <a:r>
-              <a:rPr lang="en-GB" sz="4000" dirty="0" smtClean="0"/>
-              <a:t>Raising hands,</a:t>
-            </a:r>
-          </a:p>
-          <a:p>
-            <a:r>
-              <a:rPr lang="en-GB" sz="4000" dirty="0" smtClean="0"/>
+              <a:rPr lang="en-GB" sz="4000" dirty="0"/>
+              <a:t>Raising hands</a:t>
+            </a:r>
+          </a:p>
+          <a:p>
+            <a:r>
+              <a:rPr lang="en-GB" sz="4000" dirty="0"/>
               <a:t>Yes/No sticker</a:t>
             </a:r>
           </a:p>
           <a:p>
             <a:r>
-              <a:rPr lang="en-GB" sz="4000" dirty="0" smtClean="0"/>
+              <a:rPr lang="en-GB" sz="4000" dirty="0"/>
               <a:t>Chatroom for links not for jokes</a:t>
             </a:r>
           </a:p>
           <a:p>
             <a:r>
-              <a:rPr lang="en-GB" sz="4000" dirty="0" smtClean="0"/>
-              <a:t>Breakout rooms, leaving and </a:t>
-            </a:r>
-            <a:r>
-              <a:rPr lang="en-GB" sz="4000" dirty="0" err="1" smtClean="0"/>
-              <a:t>rejoining</a:t>
-            </a:r>
-            <a:endParaRPr lang="en-GB" sz="4000" dirty="0" smtClean="0"/>
-          </a:p>
-          <a:p>
-            <a:r>
-              <a:rPr lang="pl-PL" sz="4000" dirty="0" smtClean="0"/>
+              <a:rPr lang="en-GB" sz="4000" dirty="0"/>
+              <a:t>Breakout rooms, leaving and re-joining</a:t>
+            </a:r>
+          </a:p>
+          <a:p>
+            <a:r>
+              <a:rPr lang="pl-PL" sz="4000" dirty="0"/>
               <a:t>U</a:t>
             </a:r>
             <a:r>
-              <a:rPr lang="en-GB" sz="4000" dirty="0" smtClean="0"/>
-              <a:t>sing pad, answering questions in pad</a:t>
-            </a:r>
-          </a:p>
-          <a:p>
-            <a:r>
-              <a:rPr lang="pl-PL" sz="4000" dirty="0" smtClean="0"/>
+              <a:rPr lang="en-GB" sz="4000" dirty="0"/>
+              <a:t>sing notepad, answering questions in notepad</a:t>
+            </a:r>
+          </a:p>
+          <a:p>
+            <a:r>
+              <a:rPr lang="pl-PL" sz="4000" dirty="0"/>
               <a:t>W</a:t>
             </a:r>
             <a:r>
-              <a:rPr lang="en-GB" sz="4000" dirty="0" smtClean="0"/>
+              <a:rPr lang="en-GB" sz="4000" dirty="0"/>
               <a:t>here to find things</a:t>
             </a:r>
           </a:p>
           <a:p>
             <a:r>
-              <a:rPr lang="pl-PL" sz="4000" dirty="0" smtClean="0"/>
-              <a:t>P</a:t>
-            </a:r>
-            <a:r>
-              <a:rPr lang="en-GB" sz="4000" dirty="0" smtClean="0"/>
-              <a:t>re </a:t>
-            </a:r>
-            <a:r>
-              <a:rPr lang="pl-PL" sz="4000" dirty="0" smtClean="0"/>
-              <a:t>requisities</a:t>
+              <a:rPr lang="pl-PL" sz="4000" dirty="0" err="1"/>
+              <a:t>Pre-requisites</a:t>
             </a:r>
             <a:endParaRPr lang="en-GB" sz="4000" dirty="0"/>
           </a:p>

--- a/instructors/Wellcome_Episode.pptx
+++ b/instructors/Wellcome_Episode.pptx
@@ -248,7 +248,7 @@
           <a:p>
             <a:fld id="{CC29EC85-173F-467E-B364-65AD14726A23}" type="datetimeFigureOut">
               <a:rPr lang="en-GB" smtClean="0"/>
-              <a:t>09/06/2021</a:t>
+              <a:t>18/10/2021</a:t>
             </a:fld>
             <a:endParaRPr lang="en-GB"/>
           </a:p>
@@ -418,7 +418,7 @@
           <a:p>
             <a:fld id="{CC29EC85-173F-467E-B364-65AD14726A23}" type="datetimeFigureOut">
               <a:rPr lang="en-GB" smtClean="0"/>
-              <a:t>09/06/2021</a:t>
+              <a:t>18/10/2021</a:t>
             </a:fld>
             <a:endParaRPr lang="en-GB"/>
           </a:p>
@@ -598,7 +598,7 @@
           <a:p>
             <a:fld id="{CC29EC85-173F-467E-B364-65AD14726A23}" type="datetimeFigureOut">
               <a:rPr lang="en-GB" smtClean="0"/>
-              <a:t>09/06/2021</a:t>
+              <a:t>18/10/2021</a:t>
             </a:fld>
             <a:endParaRPr lang="en-GB"/>
           </a:p>
@@ -768,7 +768,7 @@
           <a:p>
             <a:fld id="{CC29EC85-173F-467E-B364-65AD14726A23}" type="datetimeFigureOut">
               <a:rPr lang="en-GB" smtClean="0"/>
-              <a:t>09/06/2021</a:t>
+              <a:t>18/10/2021</a:t>
             </a:fld>
             <a:endParaRPr lang="en-GB"/>
           </a:p>
@@ -1014,7 +1014,7 @@
           <a:p>
             <a:fld id="{CC29EC85-173F-467E-B364-65AD14726A23}" type="datetimeFigureOut">
               <a:rPr lang="en-GB" smtClean="0"/>
-              <a:t>09/06/2021</a:t>
+              <a:t>18/10/2021</a:t>
             </a:fld>
             <a:endParaRPr lang="en-GB"/>
           </a:p>
@@ -1246,7 +1246,7 @@
           <a:p>
             <a:fld id="{CC29EC85-173F-467E-B364-65AD14726A23}" type="datetimeFigureOut">
               <a:rPr lang="en-GB" smtClean="0"/>
-              <a:t>09/06/2021</a:t>
+              <a:t>18/10/2021</a:t>
             </a:fld>
             <a:endParaRPr lang="en-GB"/>
           </a:p>
@@ -1613,7 +1613,7 @@
           <a:p>
             <a:fld id="{CC29EC85-173F-467E-B364-65AD14726A23}" type="datetimeFigureOut">
               <a:rPr lang="en-GB" smtClean="0"/>
-              <a:t>09/06/2021</a:t>
+              <a:t>18/10/2021</a:t>
             </a:fld>
             <a:endParaRPr lang="en-GB"/>
           </a:p>
@@ -1731,7 +1731,7 @@
           <a:p>
             <a:fld id="{CC29EC85-173F-467E-B364-65AD14726A23}" type="datetimeFigureOut">
               <a:rPr lang="en-GB" smtClean="0"/>
-              <a:t>09/06/2021</a:t>
+              <a:t>18/10/2021</a:t>
             </a:fld>
             <a:endParaRPr lang="en-GB"/>
           </a:p>
@@ -1826,7 +1826,7 @@
           <a:p>
             <a:fld id="{CC29EC85-173F-467E-B364-65AD14726A23}" type="datetimeFigureOut">
               <a:rPr lang="en-GB" smtClean="0"/>
-              <a:t>09/06/2021</a:t>
+              <a:t>18/10/2021</a:t>
             </a:fld>
             <a:endParaRPr lang="en-GB"/>
           </a:p>
@@ -2103,7 +2103,7 @@
           <a:p>
             <a:fld id="{CC29EC85-173F-467E-B364-65AD14726A23}" type="datetimeFigureOut">
               <a:rPr lang="en-GB" smtClean="0"/>
-              <a:t>09/06/2021</a:t>
+              <a:t>18/10/2021</a:t>
             </a:fld>
             <a:endParaRPr lang="en-GB"/>
           </a:p>
@@ -2356,7 +2356,7 @@
           <a:p>
             <a:fld id="{CC29EC85-173F-467E-B364-65AD14726A23}" type="datetimeFigureOut">
               <a:rPr lang="en-GB" smtClean="0"/>
-              <a:t>09/06/2021</a:t>
+              <a:t>18/10/2021</a:t>
             </a:fld>
             <a:endParaRPr lang="en-GB"/>
           </a:p>
@@ -2569,7 +2569,7 @@
           <a:p>
             <a:fld id="{CC29EC85-173F-467E-B364-65AD14726A23}" type="datetimeFigureOut">
               <a:rPr lang="en-GB" smtClean="0"/>
-              <a:t>09/06/2021</a:t>
+              <a:t>18/10/2021</a:t>
             </a:fld>
             <a:endParaRPr lang="en-GB"/>
           </a:p>
@@ -4389,7 +4389,7 @@
             <a:effectLst/>
             <a:extLst>
               <a:ext uri="{AF507438-7753-43e0-B8FC-AC1667EBCBE1}">
-                <a14:hiddenEffects xmlns="" xmlns:a14="http://schemas.microsoft.com/office/drawing/2010/main">
+                <a14:hiddenEffects xmlns:a14="http://schemas.microsoft.com/office/drawing/2010/main" xmlns="">
                   <a:effectLst>
                     <a:outerShdw dist="35921" dir="2700000" algn="ctr" rotWithShape="0">
                       <a:schemeClr val="bg2"/>
@@ -4451,7 +4451,7 @@
             <a:effectLst/>
             <a:extLst>
               <a:ext uri="{AF507438-7753-43e0-B8FC-AC1667EBCBE1}">
-                <a14:hiddenEffects xmlns="" xmlns:a14="http://schemas.microsoft.com/office/drawing/2010/main">
+                <a14:hiddenEffects xmlns:a14="http://schemas.microsoft.com/office/drawing/2010/main" xmlns="">
                   <a:effectLst>
                     <a:outerShdw dist="35921" dir="2700000" algn="ctr" rotWithShape="0">
                       <a:schemeClr val="bg2"/>
@@ -4513,7 +4513,7 @@
             <a:effectLst/>
             <a:extLst>
               <a:ext uri="{AF507438-7753-43e0-B8FC-AC1667EBCBE1}">
-                <a14:hiddenEffects xmlns="" xmlns:a14="http://schemas.microsoft.com/office/drawing/2010/main">
+                <a14:hiddenEffects xmlns:a14="http://schemas.microsoft.com/office/drawing/2010/main" xmlns="">
                   <a:effectLst>
                     <a:outerShdw dist="35921" dir="2700000" algn="ctr" rotWithShape="0">
                       <a:schemeClr val="bg2"/>
@@ -4712,7 +4712,7 @@
           <a:effectLst/>
           <a:extLst>
             <a:ext uri="{AF507438-7753-43e0-B8FC-AC1667EBCBE1}">
-              <a14:hiddenEffects xmlns="" xmlns:a14="http://schemas.microsoft.com/office/drawing/2010/main">
+              <a14:hiddenEffects xmlns:a14="http://schemas.microsoft.com/office/drawing/2010/main" xmlns="">
                 <a:effectLst>
                   <a:outerShdw dist="35921" dir="2700000" algn="ctr" rotWithShape="0">
                     <a:schemeClr val="bg2"/>
@@ -5043,7 +5043,7 @@
             <a:effectLst/>
             <a:extLst>
               <a:ext uri="{AF507438-7753-43e0-B8FC-AC1667EBCBE1}">
-                <a14:hiddenEffects xmlns="" xmlns:a14="http://schemas.microsoft.com/office/drawing/2010/main">
+                <a14:hiddenEffects xmlns:a14="http://schemas.microsoft.com/office/drawing/2010/main" xmlns="">
                   <a:effectLst>
                     <a:outerShdw dist="35921" dir="2700000" algn="ctr" rotWithShape="0">
                       <a:schemeClr val="bg2"/>
@@ -5105,7 +5105,7 @@
             <a:effectLst/>
             <a:extLst>
               <a:ext uri="{AF507438-7753-43e0-B8FC-AC1667EBCBE1}">
-                <a14:hiddenEffects xmlns="" xmlns:a14="http://schemas.microsoft.com/office/drawing/2010/main">
+                <a14:hiddenEffects xmlns:a14="http://schemas.microsoft.com/office/drawing/2010/main" xmlns="">
                   <a:effectLst>
                     <a:outerShdw dist="35921" dir="2700000" algn="ctr" rotWithShape="0">
                       <a:schemeClr val="bg2"/>
@@ -5182,7 +5182,7 @@
             <a:effectLst/>
             <a:extLst>
               <a:ext uri="{AF507438-7753-43e0-B8FC-AC1667EBCBE1}">
-                <a14:hiddenEffects xmlns="" xmlns:a14="http://schemas.microsoft.com/office/drawing/2010/main">
+                <a14:hiddenEffects xmlns:a14="http://schemas.microsoft.com/office/drawing/2010/main" xmlns="">
                   <a:effectLst>
                     <a:outerShdw dist="35921" dir="2700000" algn="ctr" rotWithShape="0">
                       <a:schemeClr val="bg2"/>
@@ -5244,7 +5244,7 @@
             <a:effectLst/>
             <a:extLst>
               <a:ext uri="{AF507438-7753-43e0-B8FC-AC1667EBCBE1}">
-                <a14:hiddenEffects xmlns="" xmlns:a14="http://schemas.microsoft.com/office/drawing/2010/main">
+                <a14:hiddenEffects xmlns:a14="http://schemas.microsoft.com/office/drawing/2010/main" xmlns="">
                   <a:effectLst>
                     <a:outerShdw dist="35921" dir="2700000" algn="ctr" rotWithShape="0">
                       <a:schemeClr val="bg2"/>
@@ -6477,7 +6477,7 @@
           <a:effectLst/>
           <a:extLst>
             <a:ext uri="{AF507438-7753-43e0-B8FC-AC1667EBCBE1}">
-              <a14:hiddenEffects xmlns="" xmlns:a14="http://schemas.microsoft.com/office/drawing/2010/main">
+              <a14:hiddenEffects xmlns:a14="http://schemas.microsoft.com/office/drawing/2010/main" xmlns="">
                 <a:effectLst>
                   <a:outerShdw dist="35921" dir="2700000" algn="ctr" rotWithShape="0">
                     <a:schemeClr val="bg2"/>
@@ -6809,19 +6809,37 @@
           <a:p>
             <a:r>
               <a:rPr lang="pl-PL" sz="4000" dirty="0"/>
-              <a:t>Day 1 : Open Science, FAIR, DMP</a:t>
-            </a:r>
+              <a:t>Day 1 : Open Science, FAIR, </a:t>
+            </a:r>
+            <a:r>
+              <a:rPr lang="en-GB" sz="4000" dirty="0"/>
+              <a:t>Metadata</a:t>
+            </a:r>
+            <a:endParaRPr lang="pl-PL" sz="4000" dirty="0"/>
           </a:p>
           <a:p>
             <a:r>
               <a:rPr lang="pl-PL" sz="4000" dirty="0"/>
-              <a:t>Day 2: ELN, files and (meta)data in Excel</a:t>
-            </a:r>
+              <a:t>Day 2: ELN, (meta)data in Excel</a:t>
+            </a:r>
+            <a:r>
+              <a:rPr lang="en-GB" sz="4000" dirty="0"/>
+              <a:t>, files</a:t>
+            </a:r>
+            <a:endParaRPr lang="pl-PL" sz="4000" dirty="0"/>
           </a:p>
           <a:p>
             <a:r>
               <a:rPr lang="pl-PL" sz="4000" dirty="0"/>
-              <a:t>Day 3: Describing projct, Version Control</a:t>
+              <a:t>Day 3: </a:t>
+            </a:r>
+            <a:r>
+              <a:rPr lang="en-GB" sz="4000" dirty="0"/>
+              <a:t>re-usable computing</a:t>
+            </a:r>
+            <a:r>
+              <a:rPr lang="pl-PL" sz="4000" dirty="0"/>
+              <a:t>, Version Control</a:t>
             </a:r>
           </a:p>
           <a:p>
@@ -6921,7 +6939,7 @@
         </p:spPr>
         <p:txBody>
           <a:bodyPr>
-            <a:normAutofit fontScale="92500" lnSpcReduction="20000"/>
+            <a:normAutofit fontScale="92500" lnSpcReduction="10000"/>
           </a:bodyPr>
           <a:lstStyle/>
           <a:p>
@@ -6971,13 +6989,11 @@
             </a:r>
             <a:r>
               <a:rPr lang="en-GB" sz="4000" dirty="0"/>
-              <a:t>here to find things</a:t>
-            </a:r>
-          </a:p>
-          <a:p>
-            <a:r>
-              <a:rPr lang="pl-PL" sz="4000" dirty="0" err="1"/>
-              <a:t>Pre-requisites</a:t>
+              <a:t>here to </a:t>
+            </a:r>
+            <a:r>
+              <a:rPr lang="en-GB" sz="4000"/>
+              <a:t>find things</a:t>
             </a:r>
             <a:endParaRPr lang="en-GB" sz="4000" dirty="0"/>
           </a:p>
